--- a/Apple ppt.pptx
+++ b/Apple ppt.pptx
@@ -205,7 +205,7 @@
           <a:p>
             <a:fld id="{CF2DCA8B-F7A2-4F95-BEF7-060F23D7B55C}" type="datetimeFigureOut">
               <a:rPr lang="en-US" smtClean="0"/>
-              <a:t>3/4/2024</a:t>
+              <a:t>3/5/2024</a:t>
             </a:fld>
             <a:endParaRPr lang="en-US" dirty="0"/>
           </a:p>
@@ -891,7 +891,7 @@
           <a:p>
             <a:fld id="{9EF9889D-09C7-4127-AEA4-FAB0D6034068}" type="datetimeFigureOut">
               <a:rPr lang="en-US" smtClean="0"/>
-              <a:t>3/4/2024</a:t>
+              <a:t>3/5/2024</a:t>
             </a:fld>
             <a:endParaRPr lang="en-US" dirty="0"/>
           </a:p>
@@ -1978,7 +1978,7 @@
           <a:p>
             <a:fld id="{9EF9889D-09C7-4127-AEA4-FAB0D6034068}" type="datetimeFigureOut">
               <a:rPr lang="en-US" smtClean="0"/>
-              <a:t>3/4/2024</a:t>
+              <a:t>3/5/2024</a:t>
             </a:fld>
             <a:endParaRPr lang="en-US" dirty="0"/>
           </a:p>
@@ -2958,7 +2958,7 @@
           <a:p>
             <a:fld id="{9EF9889D-09C7-4127-AEA4-FAB0D6034068}" type="datetimeFigureOut">
               <a:rPr lang="en-US" smtClean="0"/>
-              <a:t>3/4/2024</a:t>
+              <a:t>3/5/2024</a:t>
             </a:fld>
             <a:endParaRPr lang="en-US" dirty="0"/>
           </a:p>
@@ -4092,7 +4092,7 @@
           <a:p>
             <a:fld id="{9EF9889D-09C7-4127-AEA4-FAB0D6034068}" type="datetimeFigureOut">
               <a:rPr lang="en-US" smtClean="0"/>
-              <a:t>3/4/2024</a:t>
+              <a:t>3/5/2024</a:t>
             </a:fld>
             <a:endParaRPr lang="en-US" dirty="0"/>
           </a:p>
@@ -5125,7 +5125,7 @@
           <a:p>
             <a:fld id="{9EF9889D-09C7-4127-AEA4-FAB0D6034068}" type="datetimeFigureOut">
               <a:rPr lang="en-US" smtClean="0"/>
-              <a:t>3/4/2024</a:t>
+              <a:t>3/5/2024</a:t>
             </a:fld>
             <a:endParaRPr lang="en-US" dirty="0"/>
           </a:p>
@@ -5785,7 +5785,7 @@
           <a:p>
             <a:fld id="{9EF9889D-09C7-4127-AEA4-FAB0D6034068}" type="datetimeFigureOut">
               <a:rPr lang="en-US" smtClean="0"/>
-              <a:t>3/4/2024</a:t>
+              <a:t>3/5/2024</a:t>
             </a:fld>
             <a:endParaRPr lang="en-US" dirty="0"/>
           </a:p>
@@ -6643,7 +6643,7 @@
           <a:p>
             <a:fld id="{9EF9889D-09C7-4127-AEA4-FAB0D6034068}" type="datetimeFigureOut">
               <a:rPr lang="en-US" smtClean="0"/>
-              <a:t>3/4/2024</a:t>
+              <a:t>3/5/2024</a:t>
             </a:fld>
             <a:endParaRPr lang="en-US" dirty="0"/>
           </a:p>
@@ -6833,7 +6833,7 @@
           <a:p>
             <a:fld id="{9EF9889D-09C7-4127-AEA4-FAB0D6034068}" type="datetimeFigureOut">
               <a:rPr lang="en-US" smtClean="0"/>
-              <a:t>3/4/2024</a:t>
+              <a:t>3/5/2024</a:t>
             </a:fld>
             <a:endParaRPr lang="en-US" dirty="0"/>
           </a:p>
@@ -7805,7 +7805,7 @@
           <a:p>
             <a:fld id="{9EF9889D-09C7-4127-AEA4-FAB0D6034068}" type="datetimeFigureOut">
               <a:rPr lang="en-US" smtClean="0"/>
-              <a:t>3/4/2024</a:t>
+              <a:t>3/5/2024</a:t>
             </a:fld>
             <a:endParaRPr lang="en-US" dirty="0"/>
           </a:p>
@@ -8016,7 +8016,7 @@
           <a:p>
             <a:fld id="{9EF9889D-09C7-4127-AEA4-FAB0D6034068}" type="datetimeFigureOut">
               <a:rPr lang="en-US" smtClean="0"/>
-              <a:t>3/4/2024</a:t>
+              <a:t>3/5/2024</a:t>
             </a:fld>
             <a:endParaRPr lang="en-US" dirty="0"/>
           </a:p>
@@ -9050,7 +9050,7 @@
           <a:p>
             <a:fld id="{9EF9889D-09C7-4127-AEA4-FAB0D6034068}" type="datetimeFigureOut">
               <a:rPr lang="en-US" smtClean="0"/>
-              <a:t>3/4/2024</a:t>
+              <a:t>3/5/2024</a:t>
             </a:fld>
             <a:endParaRPr lang="en-US" dirty="0"/>
           </a:p>
@@ -9322,7 +9322,7 @@
           <a:p>
             <a:fld id="{9EF9889D-09C7-4127-AEA4-FAB0D6034068}" type="datetimeFigureOut">
               <a:rPr lang="en-US" smtClean="0"/>
-              <a:t>3/4/2024</a:t>
+              <a:t>3/5/2024</a:t>
             </a:fld>
             <a:endParaRPr lang="en-US" dirty="0"/>
           </a:p>
@@ -9732,7 +9732,7 @@
           <a:p>
             <a:fld id="{9EF9889D-09C7-4127-AEA4-FAB0D6034068}" type="datetimeFigureOut">
               <a:rPr lang="en-US" smtClean="0"/>
-              <a:t>3/4/2024</a:t>
+              <a:t>3/5/2024</a:t>
             </a:fld>
             <a:endParaRPr lang="en-US" dirty="0"/>
           </a:p>
@@ -9859,7 +9859,7 @@
           <a:p>
             <a:fld id="{9EF9889D-09C7-4127-AEA4-FAB0D6034068}" type="datetimeFigureOut">
               <a:rPr lang="en-US" smtClean="0"/>
-              <a:t>3/4/2024</a:t>
+              <a:t>3/5/2024</a:t>
             </a:fld>
             <a:endParaRPr lang="en-US" dirty="0"/>
           </a:p>
@@ -9954,7 +9954,7 @@
           <a:p>
             <a:fld id="{9EF9889D-09C7-4127-AEA4-FAB0D6034068}" type="datetimeFigureOut">
               <a:rPr lang="en-US" smtClean="0"/>
-              <a:t>3/4/2024</a:t>
+              <a:t>3/5/2024</a:t>
             </a:fld>
             <a:endParaRPr lang="en-US" dirty="0"/>
           </a:p>
@@ -11035,7 +11035,7 @@
           <a:p>
             <a:fld id="{9EF9889D-09C7-4127-AEA4-FAB0D6034068}" type="datetimeFigureOut">
               <a:rPr lang="en-US" smtClean="0"/>
-              <a:t>3/4/2024</a:t>
+              <a:t>3/5/2024</a:t>
             </a:fld>
             <a:endParaRPr lang="en-US" dirty="0"/>
           </a:p>
@@ -12142,7 +12142,7 @@
           <a:p>
             <a:fld id="{9EF9889D-09C7-4127-AEA4-FAB0D6034068}" type="datetimeFigureOut">
               <a:rPr lang="en-US" smtClean="0"/>
-              <a:t>3/4/2024</a:t>
+              <a:t>3/5/2024</a:t>
             </a:fld>
             <a:endParaRPr lang="en-US" dirty="0"/>
           </a:p>
@@ -13139,7 +13139,7 @@
           <a:p>
             <a:fld id="{9EF9889D-09C7-4127-AEA4-FAB0D6034068}" type="datetimeFigureOut">
               <a:rPr lang="en-US" smtClean="0"/>
-              <a:t>3/4/2024</a:t>
+              <a:t>3/5/2024</a:t>
             </a:fld>
             <a:endParaRPr lang="en-US" dirty="0"/>
           </a:p>
